--- a/Predictive_Maintenance_Sustainability/PLEDGE_TO_PROGRES_Microsoft_Sustainability_with_PredictiveMaintenance_Belt_Manufacturing.pptx
+++ b/Predictive_Maintenance_Sustainability/PLEDGE_TO_PROGRES_Microsoft_Sustainability_with_PredictiveMaintenance_Belt_Manufacturing.pptx
@@ -291,7 +291,7 @@
       <p15:sldGuideLst xmlns:p15="http://schemas.microsoft.com/office/powerpoint/2012/main"/>
     </p:ext>
     <p:ext uri="http://customooxmlschemas.google.com/">
-      <go:slidesCustomData xmlns="" xmlns:mc="http://schemas.openxmlformats.org/markup-compatibility/2006" xmlns:mv="urn:schemas-microsoft-com:mac:vml" xmlns:c="http://schemas.openxmlformats.org/drawingml/2006/chart" xmlns:dgm="http://schemas.openxmlformats.org/drawingml/2006/diagram" xmlns:o="urn:schemas-microsoft-com:office:office" xmlns:v="urn:schemas-microsoft-com:vml" xmlns:pvml="urn:schemas-microsoft-com:office:powerpoint" xmlns:com="http://schemas.openxmlformats.org/drawingml/2006/compatibility" xmlns:p14="http://schemas.microsoft.com/office/powerpoint/2010/main" xmlns:p15="http://schemas.microsoft.com/office/powerpoint/2012/main" xmlns:ahyp="http://schemas.microsoft.com/office/drawing/2018/hyperlinkcolor" xmlns:go="http://customooxmlschemas.google.com/" r:id="rId28" roundtripDataSignature="AMtx7mg4ID0MW+58A5oAZz0iuzSAYbU9/A=="/>
+      <go:slidesCustomData xmlns:go="http://customooxmlschemas.google.com/" xmlns:ahyp="http://schemas.microsoft.com/office/drawing/2018/hyperlinkcolor" xmlns:p15="http://schemas.microsoft.com/office/powerpoint/2012/main" xmlns:p14="http://schemas.microsoft.com/office/powerpoint/2010/main" xmlns:com="http://schemas.openxmlformats.org/drawingml/2006/compatibility" xmlns:pvml="urn:schemas-microsoft-com:office:powerpoint" xmlns:v="urn:schemas-microsoft-com:vml" xmlns:o="urn:schemas-microsoft-com:office:office" xmlns:dgm="http://schemas.openxmlformats.org/drawingml/2006/diagram" xmlns:c="http://schemas.openxmlformats.org/drawingml/2006/chart" xmlns:mv="urn:schemas-microsoft-com:mac:vml" xmlns:mc="http://schemas.openxmlformats.org/markup-compatibility/2006" xmlns="" r:id="rId28" roundtripDataSignature="AMtx7mg4ID0MW+58A5oAZz0iuzSAYbU9/A=="/>
     </p:ext>
   </p:extLst>
 </p:presentation>
@@ -35809,8 +35809,13 @@
             </a:pPr>
             <a:r>
               <a:rPr lang="en-US" dirty="0"/>
-              <a:t>Swetha Yalamanchili (ITC Infotech, General Manager)</a:t>
+              <a:t>Swetha Yalamanchili (ITC Infotech, DevOps </a:t>
             </a:r>
+            <a:r>
+              <a:rPr lang="en-US"/>
+              <a:t>CoE)</a:t>
+            </a:r>
+            <a:endParaRPr lang="en-US" dirty="0"/>
           </a:p>
           <a:p>
             <a:endParaRPr lang="en-US" dirty="0"/>
@@ -36949,12 +36954,27 @@
               </a:spcAft>
             </a:pPr>
             <a:r>
-              <a:rPr lang="en-US" sz="1800">
+              <a:rPr lang="en-US" sz="1800" dirty="0">
                 <a:effectLst/>
                 <a:latin typeface="Calibri" panose="020F0502020204030204" pitchFamily="34" charset="0"/>
                 <a:ea typeface="Calibri" panose="020F0502020204030204" pitchFamily="34" charset="0"/>
               </a:rPr>
-              <a:t>To prevent these faults from occurring or worsening, a machine learning model can be developed to monitor the health condition of the can manufacturing unit using telemetry data collected from sensors installed on the machine. </a:t>
+              <a:t>To prevent these faults from occurring or worsening, a machine learning model can be developed to monitor the health condition of the </a:t>
+            </a:r>
+            <a:r>
+              <a:rPr lang="en-US" sz="1800" dirty="0">
+                <a:latin typeface="Calibri" panose="020F0502020204030204" pitchFamily="34" charset="0"/>
+                <a:ea typeface="Calibri" panose="020F0502020204030204" pitchFamily="34" charset="0"/>
+              </a:rPr>
+              <a:t>belt</a:t>
+            </a:r>
+            <a:r>
+              <a:rPr lang="en-US" sz="1800" dirty="0">
+                <a:effectLst/>
+                <a:latin typeface="Calibri" panose="020F0502020204030204" pitchFamily="34" charset="0"/>
+                <a:ea typeface="Calibri" panose="020F0502020204030204" pitchFamily="34" charset="0"/>
+              </a:rPr>
+              <a:t> manufacturing unit using telemetry data collected from sensors installed on the machine. </a:t>
             </a:r>
           </a:p>
           <a:p>
@@ -36966,7 +36986,7 @@
                 <a:spcPts val="0"/>
               </a:spcAft>
             </a:pPr>
-            <a:endParaRPr lang="en-US" sz="1800">
+            <a:endParaRPr lang="en-US" sz="1800" dirty="0">
               <a:latin typeface="Calibri" panose="020F0502020204030204" pitchFamily="34" charset="0"/>
               <a:ea typeface="Calibri" panose="020F0502020204030204" pitchFamily="34" charset="0"/>
             </a:endParaRPr>
@@ -36981,7 +37001,7 @@
               </a:spcAft>
             </a:pPr>
             <a:r>
-              <a:rPr lang="en-US" sz="1800">
+              <a:rPr lang="en-US" sz="1800" dirty="0">
                 <a:effectLst/>
                 <a:latin typeface="Calibri" panose="020F0502020204030204" pitchFamily="34" charset="0"/>
                 <a:ea typeface="Calibri" panose="020F0502020204030204" pitchFamily="34" charset="0"/>
@@ -36999,7 +37019,7 @@
               </a:spcAft>
             </a:pPr>
             <a:r>
-              <a:rPr lang="en-US" sz="1800">
+              <a:rPr lang="en-US" sz="1800" dirty="0">
                 <a:effectLst/>
                 <a:latin typeface="Calibri" panose="020F0502020204030204" pitchFamily="34" charset="0"/>
                 <a:ea typeface="Calibri" panose="020F0502020204030204" pitchFamily="34" charset="0"/>
@@ -37017,7 +37037,7 @@
               </a:spcAft>
             </a:pPr>
             <a:r>
-              <a:rPr lang="en-US" sz="1800">
+              <a:rPr lang="en-US" sz="1800" dirty="0">
                 <a:effectLst/>
                 <a:latin typeface="Calibri" panose="020F0502020204030204" pitchFamily="34" charset="0"/>
                 <a:ea typeface="Calibri" panose="020F0502020204030204" pitchFamily="34" charset="0"/>
@@ -37034,7 +37054,7 @@
                 <a:spcPts val="0"/>
               </a:spcAft>
             </a:pPr>
-            <a:endParaRPr lang="en-US" sz="1800">
+            <a:endParaRPr lang="en-US" sz="1800" dirty="0">
               <a:latin typeface="Calibri" panose="020F0502020204030204" pitchFamily="34" charset="0"/>
               <a:ea typeface="Calibri" panose="020F0502020204030204" pitchFamily="34" charset="0"/>
             </a:endParaRPr>
@@ -37049,7 +37069,7 @@
               </a:spcAft>
             </a:pPr>
             <a:r>
-              <a:rPr lang="en-US" sz="1800">
+              <a:rPr lang="en-US" sz="1800" dirty="0">
                 <a:effectLst/>
                 <a:latin typeface="Calibri" panose="020F0502020204030204" pitchFamily="34" charset="0"/>
                 <a:ea typeface="Calibri" panose="020F0502020204030204" pitchFamily="34" charset="0"/>
@@ -37075,7 +37095,7 @@
               <a:buFont typeface="Arial"/>
               <a:buNone/>
             </a:pPr>
-            <a:endParaRPr lang="en-US" sz="1400" b="0" i="0" u="none" strike="noStrike" cap="none">
+            <a:endParaRPr lang="en-US" sz="1400" b="0" i="0" u="none" strike="noStrike" cap="none" dirty="0">
               <a:solidFill>
                 <a:srgbClr val="000000"/>
               </a:solidFill>
@@ -41614,7 +41634,37 @@
                 <a:cs typeface="Lato"/>
                 <a:sym typeface="Lato"/>
               </a:rPr>
-              <a:t>Predictive maintenance is alternative to reactive and proactive maintenance</a:t>
+              <a:t>Predictive maintenance is alternative to reactive </a:t>
+            </a:r>
+            <a:r>
+              <a:rPr lang="en">
+                <a:solidFill>
+                  <a:srgbClr val="222222"/>
+                </a:solidFill>
+                <a:highlight>
+                  <a:srgbClr val="FFFFFF"/>
+                </a:highlight>
+                <a:latin typeface="Lato"/>
+                <a:ea typeface="Lato"/>
+                <a:cs typeface="Lato"/>
+                <a:sym typeface="Lato"/>
+              </a:rPr>
+              <a:t>and preventive </a:t>
+            </a:r>
+            <a:r>
+              <a:rPr lang="en" dirty="0">
+                <a:solidFill>
+                  <a:srgbClr val="222222"/>
+                </a:solidFill>
+                <a:highlight>
+                  <a:srgbClr val="FFFFFF"/>
+                </a:highlight>
+                <a:latin typeface="Lato"/>
+                <a:ea typeface="Lato"/>
+                <a:cs typeface="Lato"/>
+                <a:sym typeface="Lato"/>
+              </a:rPr>
+              <a:t>maintenance</a:t>
             </a:r>
           </a:p>
           <a:p>
